--- a/汇报总结.pptx
+++ b/汇报总结.pptx
@@ -5,7 +5,7 @@
     <p:sldMasterId id="2147483648" r:id="rId1"/>
   </p:sldMasterIdLst>
   <p:notesMasterIdLst>
-    <p:notesMasterId r:id="rId13"/>
+    <p:notesMasterId r:id="rId14"/>
   </p:notesMasterIdLst>
   <p:sldIdLst>
     <p:sldId id="257" r:id="rId2"/>
@@ -18,12 +18,13 @@
     <p:sldId id="271" r:id="rId9"/>
     <p:sldId id="273" r:id="rId10"/>
     <p:sldId id="274" r:id="rId11"/>
-    <p:sldId id="276" r:id="rId12"/>
+    <p:sldId id="277" r:id="rId12"/>
+    <p:sldId id="276" r:id="rId13"/>
   </p:sldIdLst>
   <p:sldSz cx="9144000" cy="6858000" type="screen4x3"/>
   <p:notesSz cx="6858000" cy="9144000"/>
   <p:custDataLst>
-    <p:tags r:id="rId14"/>
+    <p:tags r:id="rId15"/>
   </p:custDataLst>
   <p:defaultTextStyle>
     <a:defPPr>
@@ -8089,7 +8090,7 @@
         </p:spPr>
         <p:txBody>
           <a:bodyPr anchor="ctr">
-            <a:normAutofit fontScale="60000"/>
+            <a:normAutofit fontScale="67500" lnSpcReduction="10000"/>
           </a:bodyPr>
           <a:lstStyle/>
           <a:p>
@@ -8421,7 +8422,7 @@
         </p:spPr>
         <p:txBody>
           <a:bodyPr>
-            <a:normAutofit lnSpcReduction="10000"/>
+            <a:normAutofit/>
           </a:bodyPr>
           <a:lstStyle/>
           <a:p>
@@ -8644,7 +8645,7 @@
         </p:spPr>
         <p:txBody>
           <a:bodyPr>
-            <a:normAutofit lnSpcReduction="20000"/>
+            <a:normAutofit/>
           </a:bodyPr>
           <a:lstStyle/>
           <a:p>
@@ -8920,7 +8921,7 @@
         </p:spPr>
         <p:txBody>
           <a:bodyPr>
-            <a:normAutofit fontScale="80000"/>
+            <a:normAutofit fontScale="87500" lnSpcReduction="20000"/>
           </a:bodyPr>
           <a:lstStyle/>
           <a:p>
@@ -8968,7 +8969,7 @@
         </p:spPr>
         <p:txBody>
           <a:bodyPr>
-            <a:normAutofit fontScale="60000"/>
+            <a:normAutofit fontScale="75000" lnSpcReduction="10000"/>
           </a:bodyPr>
           <a:lstStyle/>
           <a:p>
@@ -9185,7 +9186,7 @@
         </p:spPr>
         <p:txBody>
           <a:bodyPr anchor="ctr">
-            <a:normAutofit fontScale="60000"/>
+            <a:normAutofit fontScale="75000" lnSpcReduction="20000"/>
           </a:bodyPr>
           <a:lstStyle/>
           <a:p>
@@ -9227,6 +9228,559 @@
 </file>
 
 <file path=ppt/slides/slide11.xml><?xml version="1.0" encoding="utf-8"?>
+<p:sld xmlns:a="http://schemas.openxmlformats.org/drawingml/2006/main" xmlns:r="http://schemas.openxmlformats.org/officeDocument/2006/relationships" xmlns:p="http://schemas.openxmlformats.org/presentationml/2006/main">
+  <p:cSld>
+    <p:spTree>
+      <p:nvGrpSpPr>
+        <p:cNvPr id="1" name=""/>
+        <p:cNvGrpSpPr/>
+        <p:nvPr/>
+      </p:nvGrpSpPr>
+      <p:grpSpPr>
+        <a:xfrm>
+          <a:off x="0" y="0"/>
+          <a:ext cx="0" cy="0"/>
+          <a:chOff x="0" y="0"/>
+          <a:chExt cx="0" cy="0"/>
+        </a:xfrm>
+      </p:grpSpPr>
+      <p:sp>
+        <p:nvSpPr>
+          <p:cNvPr id="3" name="文本框 2">
+            <a:extLst>
+              <a:ext uri="{FF2B5EF4-FFF2-40B4-BE49-F238E27FC236}">
+                <a16:creationId xmlns:a16="http://schemas.microsoft.com/office/drawing/2014/main" id="{84C20D6C-230B-6072-591F-1C18C59BC92F}"/>
+              </a:ext>
+            </a:extLst>
+          </p:cNvPr>
+          <p:cNvSpPr txBox="1"/>
+          <p:nvPr>
+            <p:custDataLst>
+              <p:tags r:id="rId2"/>
+            </p:custDataLst>
+          </p:nvPr>
+        </p:nvSpPr>
+        <p:spPr>
+          <a:xfrm>
+            <a:off x="457200" y="1314450"/>
+            <a:ext cx="8229600" cy="514350"/>
+          </a:xfrm>
+          <a:prstGeom prst="rect">
+            <a:avLst/>
+          </a:prstGeom>
+          <a:noFill/>
+        </p:spPr>
+        <p:txBody>
+          <a:bodyPr lIns="47625" tIns="19050" rIns="47625" bIns="19050">
+            <a:normAutofit/>
+          </a:bodyPr>
+          <a:lstStyle/>
+          <a:p>
+            <a:pPr algn="ctr"/>
+            <a:r>
+              <a:rPr lang="zh-CN" altLang="en-US" sz="2700" b="1" spc="160" noProof="1">
+                <a:solidFill>
+                  <a:schemeClr val="dk1"/>
+                </a:solidFill>
+                <a:latin typeface="微软雅黑" panose="020B0503020204020204" charset="-122"/>
+                <a:ea typeface="微软雅黑" panose="020B0503020204020204" charset="-122"/>
+              </a:rPr>
+              <a:t>成绩分配</a:t>
+            </a:r>
+          </a:p>
+        </p:txBody>
+      </p:sp>
+      <p:sp>
+        <p:nvSpPr>
+          <p:cNvPr id="11" name="Title 6">
+            <a:extLst>
+              <a:ext uri="{FF2B5EF4-FFF2-40B4-BE49-F238E27FC236}">
+                <a16:creationId xmlns:a16="http://schemas.microsoft.com/office/drawing/2014/main" id="{D95AF6C9-DCF7-48F6-E9EB-CB2027C2468D}"/>
+              </a:ext>
+            </a:extLst>
+          </p:cNvPr>
+          <p:cNvSpPr txBox="1"/>
+          <p:nvPr>
+            <p:custDataLst>
+              <p:tags r:id="rId3"/>
+            </p:custDataLst>
+          </p:nvPr>
+        </p:nvSpPr>
+        <p:spPr>
+          <a:xfrm>
+            <a:off x="2171700" y="2457450"/>
+            <a:ext cx="4962525" cy="2628900"/>
+          </a:xfrm>
+          <a:prstGeom prst="rect">
+            <a:avLst/>
+          </a:prstGeom>
+          <a:noFill/>
+          <a:ln w="3175">
+            <a:noFill/>
+            <a:prstDash val="dash"/>
+          </a:ln>
+        </p:spPr>
+        <p:txBody>
+          <a:bodyPr lIns="47625" tIns="19050" rIns="47625" bIns="19050" anchor="ctr">
+            <a:normAutofit/>
+          </a:bodyPr>
+          <a:lstStyle>
+            <a:lvl1pPr algn="l" defTabSz="913765" rtl="0" eaLnBrk="1" latinLnBrk="0" hangingPunct="1">
+              <a:lnSpc>
+                <a:spcPct val="90000"/>
+              </a:lnSpc>
+              <a:spcBef>
+                <a:spcPct val="0"/>
+              </a:spcBef>
+              <a:buNone/>
+              <a:defRPr lang="en-US" sz="2745" b="0" kern="1200" cap="none" spc="-49" baseline="0" dirty="0" smtClean="0">
+                <a:ln w="3175">
+                  <a:noFill/>
+                </a:ln>
+                <a:solidFill>
+                  <a:schemeClr val="tx1"/>
+                </a:solidFill>
+                <a:effectLst/>
+                <a:latin typeface="+mj-lt"/>
+                <a:ea typeface="+mn-ea"/>
+                <a:cs typeface="Segoe UI" panose="020B0502040204020203" pitchFamily="34" charset="0"/>
+              </a:defRPr>
+            </a:lvl1pPr>
+          </a:lstStyle>
+          <a:p>
+            <a:pPr fontAlgn="auto">
+              <a:lnSpc>
+                <a:spcPct val="120000"/>
+              </a:lnSpc>
+              <a:spcAft>
+                <a:spcPts val="800"/>
+              </a:spcAft>
+            </a:pPr>
+            <a:r>
+              <a:rPr lang="zh-CN" altLang="en-US" sz="1500" spc="100" noProof="1">
+                <a:ln w="3175">
+                  <a:noFill/>
+                  <a:prstDash val="dash"/>
+                </a:ln>
+                <a:solidFill>
+                  <a:schemeClr val="dk1">
+                    <a:lumMod val="75000"/>
+                    <a:lumOff val="25000"/>
+                  </a:schemeClr>
+                </a:solidFill>
+                <a:latin typeface="微软雅黑" panose="020B0503020204020204" charset="-122"/>
+                <a:cs typeface="微软雅黑" panose="020B0503020204020204" charset="-122"/>
+              </a:rPr>
+              <a:t>杨承钰（组长）：</a:t>
+            </a:r>
+            <a:r>
+              <a:rPr lang="en-US" altLang="zh-CN" sz="1500" spc="100" noProof="1">
+                <a:ln w="3175">
+                  <a:noFill/>
+                  <a:prstDash val="dash"/>
+                </a:ln>
+                <a:solidFill>
+                  <a:schemeClr val="dk1">
+                    <a:lumMod val="75000"/>
+                    <a:lumOff val="25000"/>
+                  </a:schemeClr>
+                </a:solidFill>
+                <a:latin typeface="微软雅黑" panose="020B0503020204020204" charset="-122"/>
+                <a:cs typeface="微软雅黑" panose="020B0503020204020204" charset="-122"/>
+              </a:rPr>
+              <a:t>27 %</a:t>
+            </a:r>
+          </a:p>
+          <a:p>
+            <a:pPr fontAlgn="auto">
+              <a:lnSpc>
+                <a:spcPct val="120000"/>
+              </a:lnSpc>
+              <a:spcAft>
+                <a:spcPts val="800"/>
+              </a:spcAft>
+            </a:pPr>
+            <a:r>
+              <a:rPr lang="zh-CN" altLang="en-US" sz="1500" spc="100" noProof="1">
+                <a:ln w="3175">
+                  <a:noFill/>
+                  <a:prstDash val="dash"/>
+                </a:ln>
+                <a:solidFill>
+                  <a:schemeClr val="dk1">
+                    <a:lumMod val="75000"/>
+                    <a:lumOff val="25000"/>
+                  </a:schemeClr>
+                </a:solidFill>
+                <a:latin typeface="微软雅黑" panose="020B0503020204020204" charset="-122"/>
+                <a:cs typeface="微软雅黑" panose="020B0503020204020204" charset="-122"/>
+              </a:rPr>
+              <a:t>曹高翔：</a:t>
+            </a:r>
+            <a:r>
+              <a:rPr lang="en-US" altLang="zh-CN" sz="1500" spc="100" noProof="1">
+                <a:ln w="3175">
+                  <a:noFill/>
+                  <a:prstDash val="dash"/>
+                </a:ln>
+                <a:solidFill>
+                  <a:schemeClr val="dk1">
+                    <a:lumMod val="75000"/>
+                    <a:lumOff val="25000"/>
+                  </a:schemeClr>
+                </a:solidFill>
+                <a:latin typeface="微软雅黑" panose="020B0503020204020204" charset="-122"/>
+                <a:cs typeface="微软雅黑" panose="020B0503020204020204" charset="-122"/>
+              </a:rPr>
+              <a:t>27 %</a:t>
+            </a:r>
+          </a:p>
+          <a:p>
+            <a:pPr fontAlgn="auto">
+              <a:lnSpc>
+                <a:spcPct val="120000"/>
+              </a:lnSpc>
+              <a:spcAft>
+                <a:spcPts val="800"/>
+              </a:spcAft>
+            </a:pPr>
+            <a:r>
+              <a:rPr lang="zh-CN" altLang="en-US" sz="1500" spc="100" noProof="1">
+                <a:ln w="3175">
+                  <a:noFill/>
+                  <a:prstDash val="dash"/>
+                </a:ln>
+                <a:solidFill>
+                  <a:schemeClr val="dk1">
+                    <a:lumMod val="75000"/>
+                    <a:lumOff val="25000"/>
+                  </a:schemeClr>
+                </a:solidFill>
+                <a:latin typeface="微软雅黑" panose="020B0503020204020204" charset="-122"/>
+                <a:cs typeface="微软雅黑" panose="020B0503020204020204" charset="-122"/>
+              </a:rPr>
+              <a:t>曾韦智：</a:t>
+            </a:r>
+            <a:r>
+              <a:rPr lang="en-US" altLang="zh-CN" sz="1500" spc="100" noProof="1">
+                <a:ln w="3175">
+                  <a:noFill/>
+                  <a:prstDash val="dash"/>
+                </a:ln>
+                <a:solidFill>
+                  <a:schemeClr val="dk1">
+                    <a:lumMod val="75000"/>
+                    <a:lumOff val="25000"/>
+                  </a:schemeClr>
+                </a:solidFill>
+                <a:latin typeface="微软雅黑" panose="020B0503020204020204" charset="-122"/>
+                <a:cs typeface="微软雅黑" panose="020B0503020204020204" charset="-122"/>
+              </a:rPr>
+              <a:t>27 %</a:t>
+            </a:r>
+          </a:p>
+          <a:p>
+            <a:pPr fontAlgn="auto">
+              <a:lnSpc>
+                <a:spcPct val="120000"/>
+              </a:lnSpc>
+              <a:spcAft>
+                <a:spcPts val="800"/>
+              </a:spcAft>
+            </a:pPr>
+            <a:r>
+              <a:rPr lang="zh-CN" altLang="en-US" sz="1500" spc="100" noProof="1">
+                <a:ln w="3175">
+                  <a:noFill/>
+                  <a:prstDash val="dash"/>
+                </a:ln>
+                <a:solidFill>
+                  <a:schemeClr val="dk1">
+                    <a:lumMod val="75000"/>
+                    <a:lumOff val="25000"/>
+                  </a:schemeClr>
+                </a:solidFill>
+                <a:latin typeface="微软雅黑" panose="020B0503020204020204" charset="-122"/>
+                <a:cs typeface="微软雅黑" panose="020B0503020204020204" charset="-122"/>
+              </a:rPr>
+              <a:t>郑以勒：</a:t>
+            </a:r>
+            <a:r>
+              <a:rPr lang="en-US" altLang="zh-CN" sz="1500" spc="100" noProof="1">
+                <a:ln w="3175">
+                  <a:noFill/>
+                  <a:prstDash val="dash"/>
+                </a:ln>
+                <a:solidFill>
+                  <a:schemeClr val="dk1">
+                    <a:lumMod val="75000"/>
+                    <a:lumOff val="25000"/>
+                  </a:schemeClr>
+                </a:solidFill>
+                <a:latin typeface="微软雅黑" panose="020B0503020204020204" charset="-122"/>
+                <a:cs typeface="微软雅黑" panose="020B0503020204020204" charset="-122"/>
+              </a:rPr>
+              <a:t>19 %</a:t>
+            </a:r>
+            <a:endParaRPr lang="zh-CN" altLang="en-US" sz="1500" spc="100" noProof="1">
+              <a:ln w="3175">
+                <a:noFill/>
+                <a:prstDash val="dash"/>
+              </a:ln>
+              <a:solidFill>
+                <a:schemeClr val="dk1">
+                  <a:lumMod val="75000"/>
+                  <a:lumOff val="25000"/>
+                </a:schemeClr>
+              </a:solidFill>
+              <a:latin typeface="微软雅黑" panose="020B0503020204020204" charset="-122"/>
+              <a:cs typeface="微软雅黑" panose="020B0503020204020204" charset="-122"/>
+            </a:endParaRPr>
+          </a:p>
+        </p:txBody>
+      </p:sp>
+      <p:sp>
+        <p:nvSpPr>
+          <p:cNvPr id="5" name="矩形 11">
+            <a:extLst>
+              <a:ext uri="{FF2B5EF4-FFF2-40B4-BE49-F238E27FC236}">
+                <a16:creationId xmlns:a16="http://schemas.microsoft.com/office/drawing/2014/main" id="{A47015CF-ACE9-2DBF-D5F6-BF83FB409F25}"/>
+              </a:ext>
+            </a:extLst>
+          </p:cNvPr>
+          <p:cNvSpPr/>
+          <p:nvPr>
+            <p:custDataLst>
+              <p:tags r:id="rId4"/>
+            </p:custDataLst>
+          </p:nvPr>
+        </p:nvSpPr>
+        <p:spPr>
+          <a:xfrm>
+            <a:off x="1943100" y="2228850"/>
+            <a:ext cx="5257800" cy="3086100"/>
+          </a:xfrm>
+          <a:prstGeom prst="rect">
+            <a:avLst/>
+          </a:prstGeom>
+          <a:noFill/>
+          <a:ln w="12700" cmpd="sng">
+            <a:solidFill>
+              <a:schemeClr val="accent1">
+                <a:shade val="50000"/>
+              </a:schemeClr>
+            </a:solidFill>
+            <a:prstDash val="sysDot"/>
+          </a:ln>
+        </p:spPr>
+        <p:style>
+          <a:lnRef idx="2">
+            <a:schemeClr val="accent1">
+              <a:shade val="50000"/>
+            </a:schemeClr>
+          </a:lnRef>
+          <a:fillRef idx="1">
+            <a:schemeClr val="accent1"/>
+          </a:fillRef>
+          <a:effectRef idx="0">
+            <a:schemeClr val="accent1"/>
+          </a:effectRef>
+          <a:fontRef idx="minor">
+            <a:schemeClr val="lt1"/>
+          </a:fontRef>
+        </p:style>
+        <p:txBody>
+          <a:bodyPr anchor="ctr"/>
+          <a:lstStyle/>
+          <a:p>
+            <a:pPr algn="ctr"/>
+            <a:endParaRPr lang="en-US" altLang="zh-CN" sz="1350" noProof="1">
+              <a:latin typeface="微软雅黑" panose="020B0503020204020204" charset="-122"/>
+              <a:sym typeface="+mn-ea"/>
+            </a:endParaRPr>
+          </a:p>
+        </p:txBody>
+      </p:sp>
+      <p:sp>
+        <p:nvSpPr>
+          <p:cNvPr id="6" name="矩形 12">
+            <a:extLst>
+              <a:ext uri="{FF2B5EF4-FFF2-40B4-BE49-F238E27FC236}">
+                <a16:creationId xmlns:a16="http://schemas.microsoft.com/office/drawing/2014/main" id="{A9F53E21-A13B-6563-79FD-8311053568F6}"/>
+              </a:ext>
+            </a:extLst>
+          </p:cNvPr>
+          <p:cNvSpPr/>
+          <p:nvPr>
+            <p:custDataLst>
+              <p:tags r:id="rId5"/>
+            </p:custDataLst>
+          </p:nvPr>
+        </p:nvSpPr>
+        <p:spPr>
+          <a:xfrm>
+            <a:off x="6972300" y="2686050"/>
+            <a:ext cx="800100" cy="342900"/>
+          </a:xfrm>
+          <a:prstGeom prst="rect">
+            <a:avLst/>
+          </a:prstGeom>
+          <a:solidFill>
+            <a:schemeClr val="accent1">
+              <a:alpha val="30000"/>
+            </a:schemeClr>
+          </a:solidFill>
+          <a:ln>
+            <a:noFill/>
+          </a:ln>
+        </p:spPr>
+        <p:style>
+          <a:lnRef idx="2">
+            <a:schemeClr val="accent1">
+              <a:shade val="50000"/>
+            </a:schemeClr>
+          </a:lnRef>
+          <a:fillRef idx="1">
+            <a:schemeClr val="accent1"/>
+          </a:fillRef>
+          <a:effectRef idx="0">
+            <a:schemeClr val="accent1"/>
+          </a:effectRef>
+          <a:fontRef idx="minor">
+            <a:schemeClr val="lt1"/>
+          </a:fontRef>
+        </p:style>
+        <p:txBody>
+          <a:bodyPr anchor="ctr"/>
+          <a:lstStyle/>
+          <a:p>
+            <a:pPr algn="ctr"/>
+            <a:endParaRPr lang="zh-CN" altLang="en-US" sz="1350" noProof="1">
+              <a:latin typeface="微软雅黑" panose="020B0503020204020204" charset="-122"/>
+            </a:endParaRPr>
+          </a:p>
+        </p:txBody>
+      </p:sp>
+      <p:sp>
+        <p:nvSpPr>
+          <p:cNvPr id="8" name="矩形 12">
+            <a:extLst>
+              <a:ext uri="{FF2B5EF4-FFF2-40B4-BE49-F238E27FC236}">
+                <a16:creationId xmlns:a16="http://schemas.microsoft.com/office/drawing/2014/main" id="{6CF4E2F7-5CB6-D6B4-BB5F-509BAAFE3466}"/>
+              </a:ext>
+            </a:extLst>
+          </p:cNvPr>
+          <p:cNvSpPr/>
+          <p:nvPr>
+            <p:custDataLst>
+              <p:tags r:id="rId6"/>
+            </p:custDataLst>
+          </p:nvPr>
+        </p:nvSpPr>
+        <p:spPr>
+          <a:xfrm>
+            <a:off x="1257300" y="4514850"/>
+            <a:ext cx="914400" cy="342900"/>
+          </a:xfrm>
+          <a:prstGeom prst="rect">
+            <a:avLst/>
+          </a:prstGeom>
+          <a:solidFill>
+            <a:schemeClr val="accent1">
+              <a:alpha val="30000"/>
+            </a:schemeClr>
+          </a:solidFill>
+          <a:ln>
+            <a:noFill/>
+          </a:ln>
+        </p:spPr>
+        <p:style>
+          <a:lnRef idx="2">
+            <a:schemeClr val="accent1">
+              <a:shade val="50000"/>
+            </a:schemeClr>
+          </a:lnRef>
+          <a:fillRef idx="1">
+            <a:schemeClr val="accent1"/>
+          </a:fillRef>
+          <a:effectRef idx="0">
+            <a:schemeClr val="accent1"/>
+          </a:effectRef>
+          <a:fontRef idx="minor">
+            <a:schemeClr val="lt1"/>
+          </a:fontRef>
+        </p:style>
+        <p:txBody>
+          <a:bodyPr anchor="ctr"/>
+          <a:lstStyle/>
+          <a:p>
+            <a:pPr algn="ctr"/>
+            <a:endParaRPr lang="zh-CN" altLang="en-US" sz="1350" noProof="1">
+              <a:latin typeface="微软雅黑" panose="020B0503020204020204" charset="-122"/>
+            </a:endParaRPr>
+          </a:p>
+        </p:txBody>
+      </p:sp>
+      <p:sp>
+        <p:nvSpPr>
+          <p:cNvPr id="2" name="文本框 1">
+            <a:extLst>
+              <a:ext uri="{FF2B5EF4-FFF2-40B4-BE49-F238E27FC236}">
+                <a16:creationId xmlns:a16="http://schemas.microsoft.com/office/drawing/2014/main" id="{CE8825B2-C9AC-0DB5-6203-C43B68692F15}"/>
+              </a:ext>
+            </a:extLst>
+          </p:cNvPr>
+          <p:cNvSpPr txBox="1"/>
+          <p:nvPr/>
+        </p:nvSpPr>
+        <p:spPr>
+          <a:xfrm>
+            <a:off x="3356252" y="2301359"/>
+            <a:ext cx="3877985" cy="369332"/>
+          </a:xfrm>
+          <a:prstGeom prst="rect">
+            <a:avLst/>
+          </a:prstGeom>
+          <a:noFill/>
+        </p:spPr>
+        <p:txBody>
+          <a:bodyPr wrap="none" rtlCol="0">
+            <a:spAutoFit/>
+          </a:bodyPr>
+          <a:lstStyle/>
+          <a:p>
+            <a:r>
+              <a:rPr lang="zh-CN" altLang="en-US" dirty="0"/>
+              <a:t>本实验由组长和</a:t>
+            </a:r>
+            <a:r>
+              <a:rPr lang="zh-CN" altLang="en-US"/>
+              <a:t>小组成员合作完成</a:t>
+            </a:r>
+            <a:r>
+              <a:rPr lang="zh-CN" altLang="en-US" dirty="0"/>
+              <a:t>。</a:t>
+            </a:r>
+          </a:p>
+        </p:txBody>
+      </p:sp>
+    </p:spTree>
+    <p:custDataLst>
+      <p:tags r:id="rId1"/>
+    </p:custDataLst>
+    <p:extLst>
+      <p:ext uri="{BB962C8B-B14F-4D97-AF65-F5344CB8AC3E}">
+        <p14:creationId xmlns:p14="http://schemas.microsoft.com/office/powerpoint/2010/main" val="2197188578"/>
+      </p:ext>
+    </p:extLst>
+  </p:cSld>
+  <p:clrMapOvr>
+    <a:masterClrMapping/>
+  </p:clrMapOvr>
+</p:sld>
+</file>
+
+<file path=ppt/slides/slide12.xml><?xml version="1.0" encoding="utf-8"?>
 <p:sld xmlns:a="http://schemas.openxmlformats.org/drawingml/2006/main" xmlns:r="http://schemas.openxmlformats.org/officeDocument/2006/relationships" xmlns:p="http://schemas.openxmlformats.org/presentationml/2006/main">
   <p:cSld>
     <p:spTree>
@@ -9673,7 +10227,7 @@
         </p:spPr>
         <p:txBody>
           <a:bodyPr lIns="0" tIns="0" rIns="0" bIns="0">
-            <a:normAutofit fontScale="90000"/>
+            <a:normAutofit fontScale="97500"/>
           </a:bodyPr>
           <a:lstStyle>
             <a:defPPr>
@@ -9750,7 +10304,7 @@
         </p:spPr>
         <p:txBody>
           <a:bodyPr bIns="27000" anchor="b">
-            <a:normAutofit fontScale="90000" lnSpcReduction="10000"/>
+            <a:normAutofit fontScale="97500"/>
           </a:bodyPr>
           <a:lstStyle/>
           <a:p>
@@ -9764,7 +10318,7 @@
               <a:buSzPct val="100000"/>
             </a:pPr>
             <a:r>
-              <a:rPr lang="en-US" altLang="zh-CN" sz="2400" b="1" spc="200" dirty="0">
+              <a:rPr lang="zh-CN" altLang="en-US" sz="2400" b="1" spc="200" dirty="0">
                 <a:solidFill>
                   <a:schemeClr val="tx1">
                     <a:lumMod val="85000"/>
@@ -9774,20 +10328,7 @@
                 <a:latin typeface="微软雅黑" panose="020B0503020204020204" charset="-122"/>
                 <a:ea typeface="微软雅黑" panose="020B0503020204020204" charset="-122"/>
               </a:rPr>
-              <a:t>lex</a:t>
-            </a:r>
-            <a:r>
-              <a:rPr lang="zh-CN" altLang="en-US" sz="2400" b="1" spc="200" dirty="0">
-                <a:solidFill>
-                  <a:schemeClr val="tx1">
-                    <a:lumMod val="85000"/>
-                    <a:lumOff val="15000"/>
-                  </a:schemeClr>
-                </a:solidFill>
-                <a:latin typeface="微软雅黑" panose="020B0503020204020204" charset="-122"/>
-                <a:ea typeface="微软雅黑" panose="020B0503020204020204" charset="-122"/>
-              </a:rPr>
-              <a:t>更改</a:t>
+              <a:t>词法更改</a:t>
             </a:r>
           </a:p>
         </p:txBody>
@@ -9942,7 +10483,7 @@
         </p:spPr>
         <p:txBody>
           <a:bodyPr lIns="0" tIns="0" rIns="0" bIns="0">
-            <a:normAutofit fontScale="90000"/>
+            <a:normAutofit fontScale="97500"/>
           </a:bodyPr>
           <a:lstStyle>
             <a:defPPr>
@@ -10019,7 +10560,7 @@
         </p:spPr>
         <p:txBody>
           <a:bodyPr bIns="27000" anchor="b">
-            <a:normAutofit fontScale="90000" lnSpcReduction="10000"/>
+            <a:normAutofit fontScale="97500"/>
           </a:bodyPr>
           <a:lstStyle/>
           <a:p>
@@ -10198,7 +10739,7 @@
         </p:spPr>
         <p:txBody>
           <a:bodyPr lIns="0" tIns="0" rIns="0" bIns="0">
-            <a:normAutofit fontScale="90000"/>
+            <a:normAutofit fontScale="97500"/>
           </a:bodyPr>
           <a:lstStyle>
             <a:defPPr>
@@ -10275,7 +10816,7 @@
         </p:spPr>
         <p:txBody>
           <a:bodyPr bIns="27000" anchor="b">
-            <a:normAutofit fontScale="90000" lnSpcReduction="10000"/>
+            <a:normAutofit fontScale="97500"/>
           </a:bodyPr>
           <a:lstStyle/>
           <a:p>
@@ -10384,7 +10925,7 @@
         </p:spPr>
         <p:txBody>
           <a:bodyPr anchor="ctr">
-            <a:normAutofit fontScale="90000" lnSpcReduction="20000"/>
+            <a:normAutofit fontScale="97500" lnSpcReduction="10000"/>
           </a:bodyPr>
           <a:lstStyle>
             <a:defPPr>
@@ -10530,7 +11071,7 @@
         </p:spPr>
         <p:txBody>
           <a:bodyPr anchor="ctr">
-            <a:normAutofit lnSpcReduction="10000"/>
+            <a:normAutofit/>
           </a:bodyPr>
           <a:lstStyle>
             <a:defPPr>
@@ -10667,7 +11208,7 @@
         <p:spPr bwMode="auto">
           <a:xfrm>
             <a:off x="2195513" y="2198688"/>
-            <a:ext cx="5641975" cy="3692525"/>
+            <a:ext cx="5641975" cy="4247317"/>
           </a:xfrm>
           <a:prstGeom prst="rect">
             <a:avLst/>
@@ -10809,146 +11350,187 @@
           </a:lstStyle>
           <a:p>
             <a:r>
-              <a:rPr lang="zh-CN" altLang="en-US"/>
+              <a:rPr lang="zh-CN" altLang="en-US" dirty="0"/>
               <a:t>实验要求的六项扩展全部完成：</a:t>
             </a:r>
           </a:p>
           <a:p>
             <a:pPr lvl="1"/>
             <a:r>
-              <a:rPr lang="en-US" altLang="zh-CN"/>
+              <a:rPr lang="en-US" altLang="zh-CN" dirty="0"/>
               <a:t>1.</a:t>
             </a:r>
             <a:r>
-              <a:rPr lang="zh-CN" altLang="en-US"/>
+              <a:rPr lang="zh-CN" altLang="en-US" dirty="0"/>
               <a:t>数组，支持最高八维的数组定义，赋值和取值；</a:t>
             </a:r>
           </a:p>
           <a:p>
             <a:pPr lvl="1"/>
             <a:r>
-              <a:rPr lang="en-US" altLang="zh-CN"/>
+              <a:rPr lang="en-US" altLang="zh-CN" dirty="0"/>
               <a:t>2.print</a:t>
             </a:r>
             <a:r>
-              <a:rPr lang="zh-CN" altLang="en-US"/>
-              <a:t>函数，除了实验要求外，还可以将表达式作为参数使用；</a:t>
+              <a:rPr lang="zh-CN" altLang="en-US" dirty="0"/>
+              <a:t>函数，除了实验要求外，还可以将表达式作</a:t>
+            </a:r>
+            <a:r>
+              <a:rPr lang="en-US" altLang="zh-CN" dirty="0"/>
+              <a:t>	</a:t>
+            </a:r>
+            <a:r>
+              <a:rPr lang="zh-CN" altLang="en-US" dirty="0"/>
+              <a:t>为参数使用；</a:t>
             </a:r>
           </a:p>
           <a:p>
             <a:pPr lvl="1"/>
             <a:r>
-              <a:rPr lang="en-US" altLang="zh-CN"/>
+              <a:rPr lang="en-US" altLang="zh-CN" dirty="0"/>
               <a:t>3.for</a:t>
             </a:r>
             <a:r>
-              <a:rPr lang="zh-CN" altLang="en-US"/>
+              <a:rPr lang="zh-CN" altLang="en-US" dirty="0"/>
               <a:t>循环，除实验要求外，</a:t>
             </a:r>
             <a:r>
-              <a:rPr lang="en-US" altLang="zh-CN"/>
+              <a:rPr lang="en-US" altLang="zh-CN" dirty="0"/>
               <a:t>low</a:t>
             </a:r>
             <a:r>
-              <a:rPr lang="zh-CN" altLang="en-US"/>
+              <a:rPr lang="zh-CN" altLang="en-US" dirty="0"/>
               <a:t>和</a:t>
             </a:r>
             <a:r>
-              <a:rPr lang="en-US" altLang="zh-CN"/>
+              <a:rPr lang="en-US" altLang="zh-CN" dirty="0"/>
               <a:t>high</a:t>
             </a:r>
             <a:r>
-              <a:rPr lang="zh-CN" altLang="en-US"/>
+              <a:rPr lang="zh-CN" altLang="en-US" dirty="0"/>
               <a:t>以及</a:t>
             </a:r>
             <a:r>
-              <a:rPr lang="en-US" altLang="zh-CN"/>
+              <a:rPr lang="en-US" altLang="zh-CN" dirty="0"/>
               <a:t>step</a:t>
             </a:r>
             <a:r>
-              <a:rPr lang="zh-CN" altLang="en-US"/>
-              <a:t>可以使用表达式；</a:t>
+              <a:rPr lang="zh-CN" altLang="en-US" dirty="0"/>
+              <a:t>可</a:t>
+            </a:r>
+            <a:r>
+              <a:rPr lang="en-US" altLang="zh-CN" dirty="0"/>
+              <a:t>    	</a:t>
+            </a:r>
+            <a:r>
+              <a:rPr lang="zh-CN" altLang="en-US" dirty="0"/>
+              <a:t>以使用表达式，在运行时判断比较方向；</a:t>
             </a:r>
           </a:p>
           <a:p>
             <a:pPr lvl="1"/>
             <a:r>
-              <a:rPr lang="en-US" altLang="zh-CN"/>
+              <a:rPr lang="en-US" altLang="zh-CN" dirty="0"/>
               <a:t>4.else</a:t>
             </a:r>
             <a:r>
-              <a:rPr lang="zh-CN" altLang="en-US"/>
+              <a:rPr lang="zh-CN" altLang="en-US" dirty="0"/>
               <a:t>子句；</a:t>
             </a:r>
           </a:p>
           <a:p>
             <a:pPr lvl="1"/>
             <a:r>
-              <a:rPr lang="en-US" altLang="zh-CN"/>
+              <a:rPr lang="en-US" altLang="zh-CN" dirty="0"/>
               <a:t>5.</a:t>
             </a:r>
             <a:r>
-              <a:rPr lang="zh-CN" altLang="en-US"/>
+              <a:rPr lang="zh-CN" altLang="en-US" dirty="0"/>
               <a:t>赋值表达式，直接更改了原表达式分析函数</a:t>
             </a:r>
           </a:p>
           <a:p>
             <a:pPr lvl="1"/>
             <a:r>
-              <a:rPr lang="en-US" altLang="zh-CN"/>
+              <a:rPr lang="en-US" altLang="zh-CN" dirty="0"/>
               <a:t>6.setjmp</a:t>
             </a:r>
             <a:r>
-              <a:rPr lang="zh-CN" altLang="en-US"/>
+              <a:rPr lang="zh-CN" altLang="en-US" dirty="0"/>
               <a:t>和</a:t>
             </a:r>
             <a:r>
-              <a:rPr lang="en-US" altLang="zh-CN"/>
+              <a:rPr lang="en-US" altLang="zh-CN" dirty="0"/>
               <a:t>longjmp</a:t>
             </a:r>
             <a:r>
-              <a:rPr lang="zh-CN" altLang="en-US"/>
+              <a:rPr lang="zh-CN" altLang="en-US" dirty="0"/>
               <a:t>，其中</a:t>
             </a:r>
             <a:r>
-              <a:rPr lang="en-US" altLang="zh-CN"/>
+              <a:rPr lang="en-US" altLang="zh-CN" dirty="0"/>
               <a:t>setjmp</a:t>
             </a:r>
             <a:r>
-              <a:rPr lang="zh-CN" altLang="en-US"/>
+              <a:rPr lang="zh-CN" altLang="en-US" dirty="0"/>
               <a:t>可以作为一个</a:t>
             </a:r>
             <a:r>
-              <a:rPr lang="en-US" altLang="zh-CN"/>
-              <a:t>factor</a:t>
-            </a:r>
-            <a:r>
-              <a:rPr lang="zh-CN" altLang="en-US"/>
+              <a:rPr lang="en-US" altLang="zh-CN" dirty="0"/>
+              <a:t>	factor</a:t>
+            </a:r>
+            <a:r>
+              <a:rPr lang="zh-CN" altLang="en-US" dirty="0"/>
               <a:t>参与表达式运算。</a:t>
             </a:r>
           </a:p>
           <a:p>
             <a:r>
-              <a:rPr lang="zh-CN" altLang="en-US"/>
+              <a:rPr lang="zh-CN" altLang="en-US" dirty="0"/>
               <a:t>针对扩展部分，增加了</a:t>
             </a:r>
             <a:r>
-              <a:rPr lang="en-US" altLang="zh-CN"/>
+              <a:rPr lang="en-US" altLang="zh-CN" dirty="0"/>
               <a:t>10</a:t>
             </a:r>
             <a:r>
-              <a:rPr lang="zh-CN" altLang="en-US"/>
+              <a:rPr lang="zh-CN" altLang="en-US" dirty="0"/>
               <a:t>个错误类型</a:t>
             </a:r>
           </a:p>
           <a:p>
             <a:r>
-              <a:rPr lang="zh-CN" altLang="en-US"/>
+              <a:rPr lang="zh-CN" altLang="en-US" dirty="0"/>
               <a:t>将原文件分为多个文件，使其更加模块化</a:t>
             </a:r>
-          </a:p>
-          <a:p>
-            <a:endParaRPr lang="zh-CN" altLang="en-US"/>
+            <a:endParaRPr lang="en-US" altLang="zh-CN" dirty="0"/>
+          </a:p>
+          <a:p>
+            <a:r>
+              <a:rPr lang="zh-CN" altLang="en-US" dirty="0"/>
+              <a:t>提供了完善的、更新后的文法 </a:t>
+            </a:r>
+            <a:r>
+              <a:rPr lang="en-US" altLang="zh-CN" dirty="0"/>
+              <a:t>grammar.txt</a:t>
+            </a:r>
+          </a:p>
+          <a:p>
+            <a:r>
+              <a:rPr lang="zh-CN" altLang="en-US" dirty="0"/>
+              <a:t>提供了</a:t>
+            </a:r>
+            <a:r>
+              <a:rPr lang="en-US" altLang="zh-CN" dirty="0"/>
+              <a:t>8</a:t>
+            </a:r>
+            <a:r>
+              <a:rPr lang="zh-CN" altLang="en-US" dirty="0"/>
+              <a:t>个简要的测试程序</a:t>
+            </a:r>
+          </a:p>
+          <a:p>
+            <a:endParaRPr lang="zh-CN" altLang="en-US" dirty="0"/>
           </a:p>
         </p:txBody>
       </p:sp>
@@ -11280,7 +11862,7 @@
         </p:spPr>
         <p:txBody>
           <a:bodyPr anchor="ctr">
-            <a:normAutofit fontScale="80000"/>
+            <a:normAutofit fontScale="87500"/>
           </a:bodyPr>
           <a:lstStyle/>
           <a:p>
@@ -11371,7 +11953,7 @@
         </p:spPr>
         <p:txBody>
           <a:bodyPr anchor="ctr">
-            <a:normAutofit fontScale="70000"/>
+            <a:normAutofit fontScale="92500" lnSpcReduction="10000"/>
           </a:bodyPr>
           <a:lstStyle>
             <a:defPPr>
@@ -11785,7 +12367,7 @@
         </p:spPr>
         <p:txBody>
           <a:bodyPr anchor="ctr">
-            <a:normAutofit fontScale="80000"/>
+            <a:normAutofit fontScale="87500"/>
           </a:bodyPr>
           <a:lstStyle/>
           <a:p>
@@ -11876,7 +12458,7 @@
         </p:spPr>
         <p:txBody>
           <a:bodyPr anchor="ctr">
-            <a:normAutofit fontScale="70000"/>
+            <a:normAutofit fontScale="92500" lnSpcReduction="10000"/>
           </a:bodyPr>
           <a:lstStyle>
             <a:defPPr>
@@ -12026,7 +12608,7 @@
         </p:spPr>
         <p:txBody>
           <a:bodyPr anchor="ctr">
-            <a:normAutofit fontScale="90000" lnSpcReduction="20000"/>
+            <a:normAutofit fontScale="97500" lnSpcReduction="10000"/>
           </a:bodyPr>
           <a:lstStyle>
             <a:defPPr>
@@ -12130,7 +12712,7 @@
               </a:lnSpc>
             </a:pPr>
             <a:r>
-              <a:rPr lang="en-US" altLang="zh-CN" sz="3000" b="1" spc="300" noProof="1">
+              <a:rPr lang="zh-CN" altLang="en-US" sz="3000" b="1" spc="300" noProof="1">
                 <a:solidFill>
                   <a:schemeClr val="tx1">
                     <a:lumMod val="75000"/>
@@ -12140,20 +12722,7 @@
                 <a:cs typeface="Poppins SemiBold" pitchFamily="2" charset="0"/>
                 <a:sym typeface="Arial" panose="020B0604020202020204" pitchFamily="34" charset="0"/>
               </a:rPr>
-              <a:t>lex</a:t>
-            </a:r>
-            <a:r>
-              <a:rPr lang="zh-CN" altLang="en-US" sz="3000" b="1" spc="300" noProof="1">
-                <a:solidFill>
-                  <a:schemeClr val="tx1">
-                    <a:lumMod val="75000"/>
-                    <a:lumOff val="25000"/>
-                  </a:schemeClr>
-                </a:solidFill>
-                <a:cs typeface="Poppins SemiBold" pitchFamily="2" charset="0"/>
-                <a:sym typeface="Arial" panose="020B0604020202020204" pitchFamily="34" charset="0"/>
-              </a:rPr>
-              <a:t>更改</a:t>
+              <a:t>词法更改</a:t>
             </a:r>
           </a:p>
         </p:txBody>
@@ -13205,61 +13774,58 @@
             </a:lvl9pPr>
           </a:lstStyle>
           <a:p>
-            <a:endParaRPr lang="zh-CN" altLang="zh-CN"/>
-          </a:p>
-          <a:p>
-            <a:endParaRPr lang="zh-CN" altLang="zh-CN"/>
-          </a:p>
-          <a:p>
-            <a:endParaRPr lang="zh-CN" altLang="zh-CN"/>
-          </a:p>
-          <a:p>
-            <a:endParaRPr lang="zh-CN" altLang="zh-CN"/>
-          </a:p>
-          <a:p>
-            <a:endParaRPr lang="zh-CN" altLang="zh-CN"/>
-          </a:p>
-          <a:p>
-            <a:endParaRPr lang="zh-CN" altLang="zh-CN"/>
-          </a:p>
-          <a:p>
-            <a:endParaRPr lang="zh-CN" altLang="zh-CN"/>
-          </a:p>
-          <a:p>
-            <a:endParaRPr lang="zh-CN" altLang="zh-CN"/>
-          </a:p>
-          <a:p>
-            <a:r>
-              <a:rPr lang="zh-CN" altLang="zh-CN"/>
+            <a:endParaRPr lang="zh-CN" altLang="zh-CN" dirty="0"/>
+          </a:p>
+          <a:p>
+            <a:endParaRPr lang="zh-CN" altLang="zh-CN" dirty="0"/>
+          </a:p>
+          <a:p>
+            <a:endParaRPr lang="zh-CN" altLang="zh-CN" dirty="0"/>
+          </a:p>
+          <a:p>
+            <a:endParaRPr lang="zh-CN" altLang="zh-CN" dirty="0"/>
+          </a:p>
+          <a:p>
+            <a:endParaRPr lang="zh-CN" altLang="zh-CN" dirty="0"/>
+          </a:p>
+          <a:p>
+            <a:endParaRPr lang="zh-CN" altLang="zh-CN" dirty="0"/>
+          </a:p>
+          <a:p>
+            <a:endParaRPr lang="zh-CN" altLang="zh-CN" dirty="0"/>
+          </a:p>
+          <a:p>
+            <a:endParaRPr lang="zh-CN" altLang="zh-CN" dirty="0"/>
+          </a:p>
+          <a:p>
+            <a:r>
+              <a:rPr lang="zh-CN" altLang="zh-CN" dirty="0"/>
               <a:t>新增汇编指令</a:t>
             </a:r>
             <a:r>
-              <a:rPr lang="en-US" altLang="zh-CN"/>
+              <a:rPr lang="en-US" altLang="zh-CN" dirty="0"/>
               <a:t>PRT</a:t>
             </a:r>
             <a:r>
-              <a:rPr lang="zh-CN" altLang="en-US"/>
+              <a:rPr lang="zh-CN" altLang="en-US" dirty="0"/>
               <a:t>，</a:t>
             </a:r>
             <a:r>
-              <a:rPr lang="en-US" altLang="zh-CN"/>
-              <a:t>i.l=255</a:t>
-            </a:r>
-            <a:r>
-              <a:rPr lang="zh-CN" altLang="en-US"/>
-              <a:t>时输出回车，否则输出当前栈顶值</a:t>
-            </a:r>
-            <a:endParaRPr lang="zh-CN" altLang="zh-CN"/>
-          </a:p>
-          <a:p>
-            <a:r>
-              <a:rPr lang="zh-CN" altLang="en-US"/>
-              <a:t>文法变化：</a:t>
-            </a:r>
-          </a:p>
-          <a:p>
-            <a:r>
-              <a:rPr lang="en-US" altLang="zh-CN">
+              <a:rPr lang="en-US" altLang="zh-CN" dirty="0" err="1"/>
+              <a:t>i.l</a:t>
+            </a:r>
+            <a:r>
+              <a:rPr lang="en-US" altLang="zh-CN" dirty="0"/>
+              <a:t>=255</a:t>
+            </a:r>
+            <a:r>
+              <a:rPr lang="zh-CN" altLang="en-US" dirty="0"/>
+              <a:t>时输出回车，否则输出当前栈顶值。文法变化：</a:t>
+            </a:r>
+          </a:p>
+          <a:p>
+            <a:r>
+              <a:rPr lang="en-US" altLang="zh-CN" dirty="0">
                 <a:sym typeface="微软雅黑" panose="020B0503020204020204" pitchFamily="34" charset="-122"/>
               </a:rPr>
               <a:t>statement-&gt;</a:t>
@@ -13267,12 +13833,36 @@
           </a:p>
           <a:p>
             <a:r>
-              <a:rPr lang="en-US" altLang="zh-CN">
+              <a:rPr lang="en-US" altLang="zh-CN" dirty="0">
                 <a:sym typeface="微软雅黑" panose="020B0503020204020204" pitchFamily="34" charset="-122"/>
               </a:rPr>
-              <a:t>'print' '(' [ expression { , expression } ] ')'  </a:t>
-            </a:r>
-            <a:endParaRPr lang="en-US" altLang="zh-CN"/>
+              <a:t>'print' '(' [ expression { , expression } ] ')’ </a:t>
+            </a:r>
+          </a:p>
+          <a:p>
+            <a:endParaRPr lang="en-US" altLang="zh-CN" dirty="0">
+              <a:sym typeface="微软雅黑" panose="020B0503020204020204" pitchFamily="34" charset="-122"/>
+            </a:endParaRPr>
+          </a:p>
+          <a:p>
+            <a:r>
+              <a:rPr lang="en-US" altLang="zh-CN" dirty="0"/>
+              <a:t>print </a:t>
+            </a:r>
+            <a:r>
+              <a:rPr lang="zh-CN" altLang="en-US" dirty="0"/>
+              <a:t>函数在相邻的两个参数之间输出一个空格，在每一次调用之后输出一个回车。</a:t>
+            </a:r>
+            <a:endParaRPr lang="zh-CN" altLang="zh-CN" dirty="0"/>
+          </a:p>
+          <a:p>
+            <a:r>
+              <a:rPr lang="en-US" altLang="zh-CN" dirty="0">
+                <a:sym typeface="微软雅黑" panose="020B0503020204020204" pitchFamily="34" charset="-122"/>
+              </a:rPr>
+              <a:t> </a:t>
+            </a:r>
+            <a:endParaRPr lang="en-US" altLang="zh-CN" dirty="0"/>
           </a:p>
         </p:txBody>
       </p:sp>
@@ -16850,6 +17440,230 @@
 
 <file path=ppt/tags/tag155.xml><?xml version="1.0" encoding="utf-8"?>
 <p:tagLst xmlns:a="http://schemas.openxmlformats.org/drawingml/2006/main" xmlns:r="http://schemas.openxmlformats.org/officeDocument/2006/relationships" xmlns:p="http://schemas.openxmlformats.org/presentationml/2006/main">
+  <p:tag name="KSO_WM_SLIDE_ID" val="custom20218281_15"/>
+  <p:tag name="KSO_WM_TEMPLATE_SUBCATEGORY" val="21"/>
+  <p:tag name="KSO_WM_TEMPLATE_MASTER_TYPE" val="1"/>
+  <p:tag name="KSO_WM_TEMPLATE_COLOR_TYPE" val="1"/>
+  <p:tag name="KSO_WM_SLIDE_TYPE" val="text"/>
+  <p:tag name="KSO_WM_SLIDE_SUBTYPE" val="pureTxt"/>
+  <p:tag name="KSO_WM_SLIDE_ITEM_CNT" val="0"/>
+  <p:tag name="KSO_WM_SLIDE_INDEX" val="15"/>
+  <p:tag name="KSO_WM_TAG_VERSION" val="1.0"/>
+  <p:tag name="KSO_WM_BEAUTIFY_FLAG" val="#wm#"/>
+  <p:tag name="KSO_WM_TEMPLATE_CATEGORY" val="custom"/>
+  <p:tag name="KSO_WM_TEMPLATE_INDEX" val="20218281"/>
+  <p:tag name="KSO_WM_SLIDE_LAYOUT" val="a_f"/>
+  <p:tag name="KSO_WM_SLIDE_LAYOUT_CNT" val="1_1"/>
+  <p:tag name="KSO_WM_TEMPLATE_THUMBS_INDEX" val="1、4、7、12、13、14、15、16、17、18、20、24、25、28、33、36、40、43、44"/>
+  <p:tag name="KSO_WM_SLIDE_LAYOUT_INFO" val="{&quot;backgroundInfo&quot;:[{&quot;bottom&quot;:0,&quot;bottomAbs&quot;:false,&quot;left&quot;:0,&quot;leftAbs&quot;:false,&quot;right&quot;:0,&quot;rightAbs&quot;:false,&quot;top&quot;:0,&quot;topAbs&quot;:false,&quot;type&quot;:&quot;general&quot;}],&quot;id&quot;:&quot;2020-12-09T19:47:00&quot;,&quot;maxSize&quot;:{&quot;size1&quot;:31.100000000000001},&quot;minSize&quot;:{&quot;size1&quot;:20},&quot;normalSize&quot;:{&quot;size1&quot;:22.199999999999999},&quot;subLayout&quot;:[{&quot;id&quot;:&quot;2020-12-09T19:47:00&quot;,&quot;margin&quot;:{&quot;bottom&quot;:0.21199998259544373,&quot;left&quot;:1.6929999589920044,&quot;right&quot;:1.6929999589920044,&quot;top&quot;:1.6929999589920044},&quot;type&quot;:0},{&quot;id&quot;:&quot;2020-12-09T19:47:00&quot;,&quot;margin&quot;:{&quot;bottom&quot;:2.1170001029968262,&quot;left&quot;:5.5029997825622559,&quot;right&quot;:5.5029997825622559,&quot;top&quot;:1.6929999589920044},&quot;type&quot;:0}],&quot;type&quot;:0}"/>
+  <p:tag name="KSO_WM_SLIDE_BACKGROUND" val="[&quot;general&quot;]"/>
+  <p:tag name="KSO_WM_SLIDE_RATIO" val="1.777778"/>
+  <p:tag name="KSO_WM_SLIDE_SIZE" val="864*420"/>
+  <p:tag name="KSO_WM_SLIDE_POSITION" val="47*48"/>
+  <p:tag name="KSO_WM_CHIP_INFOS" val="{&quot;type&quot;:0,&quot;layout_type&quot;:&quot;topbottom&quot;,&quot;layout_feature&quot;:1,&quot;aspect_ratio&quot;:&quot;16:9&quot;,&quot;same_font_size&quot;:false,&quot;diagram&quot;:{&quot;type&quot;:[],&quot;direction&quot;:0,&quot;isSupportDecBetweenItems&quot;:false},&quot;tags&quot;:{&quot;style&quot;:[&quot;商务&quot;,&quot;简约&quot;,&quot;文艺清新&quot;,&quot;中国风&quot;,&quot;卡通&quot;,&quot;欧美风&quot;,&quot;黑板风&quot;,&quot;渐变风&quot;,&quot;党政风&quot;]},&quot;slide_type&quot;:[&quot;text&quot;]}"/>
+  <p:tag name="KSO_WM_CHIP_XID" val="5f69675b553136823a5e61e2"/>
+  <p:tag name="KSO_WM_CHIP_FILLPROP" val="[[{&quot;text_align&quot;:&quot;ct&quot;,&quot;text_direction&quot;:&quot;horizontal&quot;,&quot;support_big_font&quot;:false,&quot;fill_id&quot;:&quot;f4e552a498f24ec88a7a49012f3332fe&quot;,&quot;fill_align&quot;:&quot;ct&quot;,&quot;chip_types&quot;:[&quot;header&quot;]},{&quot;text_align&quot;:&quot;lm&quot;,&quot;text_direction&quot;:&quot;horizontal&quot;,&quot;support_big_font&quot;:false,&quot;fill_id&quot;:&quot;174da224636a4d3fbb0d51f2ce0d7c1d&quot;,&quot;fill_align&quot;:&quot;cm&quot;,&quot;chip_types&quot;:[&quot;pictext&quot;,&quot;text&quot;,&quot;picture&quot;,&quot;table&quot;,&quot;video&quot;]}]]"/>
+  <p:tag name="FIXED_XID_TMP" val="5f5ee1ca4d6848d78f644aed"/>
+  <p:tag name="KSO_WM_CHIP_DECFILLPROP" val="[]"/>
+  <p:tag name="KSO_WM_SLIDE_CAN_ADD_NAVIGATION" val="1"/>
+  <p:tag name="KSO_WM_CHIP_GROUPID" val="5f5ee1ca4d6848d78f644aed"/>
+  <p:tag name="KSO_WM_SLIDE_BK_DARK_LIGHT" val="2"/>
+  <p:tag name="KSO_WM_SLIDE_BACKGROUND_TYPE" val="general"/>
+  <p:tag name="KSO_WM_SLIDE_SUPPORT_FEATURE_TYPE" val="0"/>
+  <p:tag name="KSO_WM_TEMPLATE_ASSEMBLE_XID" val="5fd0b9341fa9d42129dd4cad"/>
+  <p:tag name="KSO_WM_TEMPLATE_ASSEMBLE_GROUPID" val="5fd0b9341fa9d42129dd4cad"/>
+</p:tagLst>
+</file>
+
+<file path=ppt/tags/tag156.xml><?xml version="1.0" encoding="utf-8"?>
+<p:tagLst xmlns:a="http://schemas.openxmlformats.org/drawingml/2006/main" xmlns:r="http://schemas.openxmlformats.org/officeDocument/2006/relationships" xmlns:p="http://schemas.openxmlformats.org/presentationml/2006/main">
+  <p:tag name="KSO_WM_UNIT_ISCONTENTSTITLE" val="0"/>
+  <p:tag name="KSO_WM_UNIT_ISNUMDGMTITLE" val="0"/>
+  <p:tag name="KSO_WM_UNIT_NOCLEAR" val="0"/>
+  <p:tag name="KSO_WM_UNIT_VALUE" val="27"/>
+  <p:tag name="KSO_WM_UNIT_HIGHLIGHT" val="0"/>
+  <p:tag name="KSO_WM_UNIT_COMPATIBLE" val="0"/>
+  <p:tag name="KSO_WM_UNIT_DIAGRAM_ISNUMVISUAL" val="0"/>
+  <p:tag name="KSO_WM_UNIT_DIAGRAM_ISREFERUNIT" val="0"/>
+  <p:tag name="KSO_WM_UNIT_TYPE" val="a"/>
+  <p:tag name="KSO_WM_UNIT_INDEX" val="1"/>
+  <p:tag name="KSO_WM_UNIT_ID" val="custom20218281_15*a*1"/>
+  <p:tag name="KSO_WM_TEMPLATE_CATEGORY" val="custom"/>
+  <p:tag name="KSO_WM_TEMPLATE_INDEX" val="20218281"/>
+  <p:tag name="KSO_WM_UNIT_LAYERLEVEL" val="1"/>
+  <p:tag name="KSO_WM_TAG_VERSION" val="1.0"/>
+  <p:tag name="KSO_WM_BEAUTIFY_FLAG" val="#wm#"/>
+  <p:tag name="KSO_WM_UNIT_PRESET_TEXT" val="单击此处添加大标题内容"/>
+  <p:tag name="KSO_WM_UNIT_DEFAULT_FONT" val="24;44;4"/>
+  <p:tag name="KSO_WM_UNIT_BLOCK" val="0"/>
+  <p:tag name="KSO_WM_CHIP_GROUPID" val="5e7881253197e252a37019b5"/>
+  <p:tag name="KSO_WM_CHIP_XID" val="5e7881253197e252a37019b6"/>
+  <p:tag name="KSO_WM_UNIT_DEC_AREA_ID" val="0934ade70248484ab2d70312676580f2"/>
+  <p:tag name="KSO_WM_UNIT_DECORATE_INFO" val="{&quot;ReferentInfo&quot;:{&quot;Id&quot;:&quot;slide&quot;,&quot;X&quot;:{&quot;Pos&quot;:0},&quot;Y&quot;:{&quot;Pos&quot;:0}},&quot;DecorateInfoX&quot;:{&quot;Pos&quot;:0,&quot;IsAbs&quot;:false},&quot;DecorateInfoY&quot;:{&quot;Pos&quot;:0,&quot;IsAbs&quot;:false},&quot;DecorateInfoW&quot;:{&quot;IsAbs&quot;:false},&quot;DecorateInfoH&quot;:{&quot;IsAbs&quot;:false},&quot;whChangeMode&quot;:0}"/>
+  <p:tag name="KSO_WM_UNIT_SM_LIMIT_TYPE" val="2"/>
+  <p:tag name="KSO_WM_CHIP_FILLAREA_FILL_RULE" val="{&quot;fill_align&quot;:&quot;ct&quot;,&quot;fill_mode&quot;:&quot;full&quot;,&quot;sacle_strategy&quot;:&quot;smart&quot;}"/>
+  <p:tag name="KSO_WM_ASSEMBLE_CHIP_INDEX" val="627df8e79bbb4f168a1006eb39d7d817"/>
+  <p:tag name="KSO_WM_UNIT_TEXT_FILL_FORE_SCHEMECOLOR_INDEX_BRIGHTNESS" val="0"/>
+  <p:tag name="KSO_WM_UNIT_TEXT_FILL_FORE_SCHEMECOLOR_INDEX" val="13"/>
+  <p:tag name="KSO_WM_UNIT_TEXT_FILL_TYPE" val="1"/>
+  <p:tag name="KSO_WM_TEMPLATE_ASSEMBLE_XID" val="5fd0b9341fa9d42129dd4cad"/>
+  <p:tag name="KSO_WM_TEMPLATE_ASSEMBLE_GROUPID" val="5fd0b9341fa9d42129dd4cad"/>
+  <p:tag name="KSO_WM_UNIT_SPLIT_INFO" val="{&quot;paras&quot;:[{&quot;type&quot;:&quot;pa&quot;,&quot;index&quot;:&quot;1&quot;}]}"/>
+</p:tagLst>
+</file>
+
+<file path=ppt/tags/tag157.xml><?xml version="1.0" encoding="utf-8"?>
+<p:tagLst xmlns:a="http://schemas.openxmlformats.org/drawingml/2006/main" xmlns:r="http://schemas.openxmlformats.org/officeDocument/2006/relationships" xmlns:p="http://schemas.openxmlformats.org/presentationml/2006/main">
+  <p:tag name="KSO_WM_UNIT_TEXT_SUBTYPE" val="a"/>
+  <p:tag name="KSO_WM_UNIT_SUBTYPE" val="a"/>
+  <p:tag name="KSO_WM_UNIT_PRESET_TEXT" val="单击此处添加正文，文字是您思想的提炼，为了演示发布的良好效果，请言简意赅的阐述您的观点。您的内容已经简明扼要，字字珠玑，但信息却千丝万缕、错综复杂，需要用更多的文字来表述；但请您尽可能提炼思想的精髓，否则容易造成观者的阅读压力，适得其反。正如我们都希望改变世界，希望给别人带去光明，但更多时候我们只需要播下一颗种子，自然有微风吹拂，雨露滋养。恰如其分的表达观点，往往事半功倍。当您的内容到达这个限度时。"/>
+  <p:tag name="KSO_WM_UNIT_NOCLEAR" val="0"/>
+  <p:tag name="KSO_WM_UNIT_HIGHLIGHT" val="0"/>
+  <p:tag name="KSO_WM_UNIT_COMPATIBLE" val="0"/>
+  <p:tag name="KSO_WM_UNIT_DIAGRAM_ISNUMVISUAL" val="0"/>
+  <p:tag name="KSO_WM_UNIT_DIAGRAM_ISREFERUNIT" val="0"/>
+  <p:tag name="KSO_WM_UNIT_TYPE" val="f"/>
+  <p:tag name="KSO_WM_UNIT_INDEX" val="1"/>
+  <p:tag name="KSO_WM_UNIT_ID" val="custom20218281_15*f*1"/>
+  <p:tag name="KSO_WM_TEMPLATE_CATEGORY" val="custom"/>
+  <p:tag name="KSO_WM_TEMPLATE_INDEX" val="20218281"/>
+  <p:tag name="KSO_WM_UNIT_LAYERLEVEL" val="1"/>
+  <p:tag name="KSO_WM_TAG_VERSION" val="1.0"/>
+  <p:tag name="KSO_WM_BEAUTIFY_FLAG" val="#wm#"/>
+  <p:tag name="KSO_WM_UNIT_DEFAULT_FONT" val="14;20;2"/>
+  <p:tag name="KSO_WM_UNIT_BLOCK" val="0"/>
+  <p:tag name="KSO_WM_UNIT_VALUE" val="225"/>
+  <p:tag name="KSO_WM_CHIP_GROUPID" val="5e6b05596848fb12bee65ac8"/>
+  <p:tag name="KSO_WM_CHIP_XID" val="5e6b05596848fb12bee65aca"/>
+  <p:tag name="KSO_WM_UNIT_DEC_AREA_ID" val="442f88eeeaae4b1ba65e6ac5beaebd1a"/>
+  <p:tag name="KSO_WM_UNIT_DECORATE_INFO" val="{&quot;ReferentInfo&quot;:{&quot;Id&quot;:&quot;slide&quot;,&quot;X&quot;:{&quot;Pos&quot;:0},&quot;Y&quot;:{&quot;Pos&quot;:0}},&quot;DecorateInfoX&quot;:{&quot;Pos&quot;:0,&quot;IsAbs&quot;:false},&quot;DecorateInfoY&quot;:{&quot;Pos&quot;:0,&quot;IsAbs&quot;:false},&quot;DecorateInfoW&quot;:{&quot;IsAbs&quot;:false},&quot;DecorateInfoH&quot;:{&quot;IsAbs&quot;:false},&quot;whChangeMode&quot;:0}"/>
+  <p:tag name="KSO_WM_UNIT_SM_LIMIT_TYPE" val="2"/>
+  <p:tag name="KSO_WM_CHIP_FILLAREA_FILL_RULE" val="{&quot;fill_align&quot;:&quot;cm&quot;,&quot;fill_mode&quot;:&quot;full&quot;,&quot;sacle_strategy&quot;:&quot;smart&quot;}"/>
+  <p:tag name="KSO_WM_ASSEMBLE_CHIP_INDEX" val="0278132ac34d47c0b96720d6555e134d"/>
+  <p:tag name="KSO_WM_UNIT_SUPPORT_UNIT_TYPE" val="[&quot;d&quot;,&quot;β&quot;,&quot;θ&quot;]"/>
+  <p:tag name="KSO_WM_UNIT_TEXT_FILL_FORE_SCHEMECOLOR_INDEX_BRIGHTNESS" val="0.25"/>
+  <p:tag name="KSO_WM_UNIT_TEXT_FILL_FORE_SCHEMECOLOR_INDEX" val="13"/>
+  <p:tag name="KSO_WM_UNIT_TEXT_FILL_TYPE" val="1"/>
+  <p:tag name="KSO_WM_TEMPLATE_ASSEMBLE_XID" val="5fd0b9341fa9d42129dd4cad"/>
+  <p:tag name="KSO_WM_TEMPLATE_ASSEMBLE_GROUPID" val="5fd0b9341fa9d42129dd4cad"/>
+  <p:tag name="KSO_WM_UNIT_SPLIT_INFO" val="{&quot;paras&quot;:[{&quot;type&quot;:&quot;pa&quot;,&quot;index&quot;:&quot;2&quot;}]}"/>
+</p:tagLst>
+</file>
+
+<file path=ppt/tags/tag158.xml><?xml version="1.0" encoding="utf-8"?>
+<p:tagLst xmlns:a="http://schemas.openxmlformats.org/drawingml/2006/main" xmlns:r="http://schemas.openxmlformats.org/officeDocument/2006/relationships" xmlns:p="http://schemas.openxmlformats.org/presentationml/2006/main">
+  <p:tag name="KSO_WM_UNIT_HIGHLIGHT" val="0"/>
+  <p:tag name="KSO_WM_UNIT_COMPATIBLE" val="0"/>
+  <p:tag name="KSO_WM_UNIT_DIAGRAM_ISNUMVISUAL" val="0"/>
+  <p:tag name="KSO_WM_UNIT_DIAGRAM_ISREFERUNIT" val="0"/>
+  <p:tag name="KSO_WM_UNIT_TYPE" val="i"/>
+  <p:tag name="KSO_WM_UNIT_INDEX" val="1"/>
+  <p:tag name="KSO_WM_UNIT_ID" val="custom20218281_15*i*1"/>
+  <p:tag name="KSO_WM_TEMPLATE_CATEGORY" val="custom"/>
+  <p:tag name="KSO_WM_TEMPLATE_INDEX" val="20218281"/>
+  <p:tag name="KSO_WM_UNIT_LAYERLEVEL" val="1"/>
+  <p:tag name="KSO_WM_TAG_VERSION" val="1.0"/>
+  <p:tag name="KSO_WM_BEAUTIFY_FLAG" val="#wm#"/>
+  <p:tag name="KSO_WM_UNIT_BLOCK" val="0"/>
+  <p:tag name="KSO_WM_UNIT_SM_LIMIT_TYPE" val="2"/>
+  <p:tag name="KSO_WM_UNIT_DEC_AREA_ID" val="6f647d862536413eb7c07694bcbc6183"/>
+  <p:tag name="KSO_WM_UNIT_DECORATE_INFO" val="{&quot;DecorateInfoH&quot;:{&quot;IsAbs&quot;:false},&quot;DecorateInfoW&quot;:{&quot;IsAbs&quot;:false},&quot;DecorateInfoX&quot;:{&quot;IsAbs&quot;:false,&quot;Pos&quot;:1},&quot;DecorateInfoY&quot;:{&quot;IsAbs&quot;:false,&quot;Pos&quot;:1},&quot;ReferentInfo&quot;:{&quot;Id&quot;:&quot;442f88eeeaae4b1ba65e6ac5beaebd1a&quot;,&quot;X&quot;:{&quot;Pos&quot;:1},&quot;Y&quot;:{&quot;Pos&quot;:1}},&quot;whChangeMode&quot;:1}"/>
+  <p:tag name="KSO_WM_CHIP_GROUPID" val="5f5ee1ca4d6848d78f644aed"/>
+  <p:tag name="KSO_WM_CHIP_XID" val="5f69675b553136823a5e61e2"/>
+  <p:tag name="KSO_WM_UNIT_LINE_FORE_SCHEMECOLOR_INDEX_BRIGHTNESS" val="0"/>
+  <p:tag name="KSO_WM_UNIT_LINE_FORE_SCHEMECOLOR_INDEX" val="5"/>
+  <p:tag name="KSO_WM_UNIT_LINE_FILL_TYPE" val="2"/>
+  <p:tag name="KSO_WM_UNIT_TEXT_FILL_FORE_SCHEMECOLOR_INDEX_BRIGHTNESS" val="0"/>
+  <p:tag name="KSO_WM_UNIT_TEXT_FILL_FORE_SCHEMECOLOR_INDEX" val="2"/>
+  <p:tag name="KSO_WM_UNIT_TEXT_FILL_TYPE" val="1"/>
+  <p:tag name="KSO_WM_UNIT_VALUE" val="450"/>
+  <p:tag name="KSO_WM_TEMPLATE_ASSEMBLE_XID" val="5fd0b9341fa9d42129dd4cad"/>
+  <p:tag name="KSO_WM_TEMPLATE_ASSEMBLE_GROUPID" val="5fd0b9341fa9d42129dd4cad"/>
+  <p:tag name="KSO_WM_UNIT_SPLIT_INFO" val="{&quot;type&quot;:&quot;i&quot;,&quot;index&quot;:&quot;1&quot;}"/>
+</p:tagLst>
+</file>
+
+<file path=ppt/tags/tag159.xml><?xml version="1.0" encoding="utf-8"?>
+<p:tagLst xmlns:a="http://schemas.openxmlformats.org/drawingml/2006/main" xmlns:r="http://schemas.openxmlformats.org/officeDocument/2006/relationships" xmlns:p="http://schemas.openxmlformats.org/presentationml/2006/main">
+  <p:tag name="KSO_WM_UNIT_HIGHLIGHT" val="0"/>
+  <p:tag name="KSO_WM_UNIT_COMPATIBLE" val="0"/>
+  <p:tag name="KSO_WM_UNIT_DIAGRAM_ISNUMVISUAL" val="0"/>
+  <p:tag name="KSO_WM_UNIT_DIAGRAM_ISREFERUNIT" val="0"/>
+  <p:tag name="KSO_WM_UNIT_TYPE" val="i"/>
+  <p:tag name="KSO_WM_UNIT_INDEX" val="2"/>
+  <p:tag name="KSO_WM_UNIT_ID" val="custom20218281_15*i*2"/>
+  <p:tag name="KSO_WM_TEMPLATE_CATEGORY" val="custom"/>
+  <p:tag name="KSO_WM_TEMPLATE_INDEX" val="20218281"/>
+  <p:tag name="KSO_WM_UNIT_LAYERLEVEL" val="1"/>
+  <p:tag name="KSO_WM_TAG_VERSION" val="1.0"/>
+  <p:tag name="KSO_WM_BEAUTIFY_FLAG" val="#wm#"/>
+  <p:tag name="KSO_WM_UNIT_BLOCK" val="0"/>
+  <p:tag name="KSO_WM_UNIT_SM_LIMIT_TYPE" val="0"/>
+  <p:tag name="KSO_WM_UNIT_DEC_AREA_ID" val="1844e6ba5855470883ed1dffa5182ee2"/>
+  <p:tag name="KSO_WM_UNIT_DECORATE_INFO" val="{&quot;DecorateInfoH&quot;:{&quot;IsAbs&quot;:true},&quot;DecorateInfoW&quot;:{&quot;IsAbs&quot;:true},&quot;DecorateInfoX&quot;:{&quot;IsAbs&quot;:true,&quot;Pos&quot;:0},&quot;DecorateInfoY&quot;:{&quot;IsAbs&quot;:true,&quot;Pos&quot;:0},&quot;ReferentInfo&quot;:{&quot;Id&quot;:&quot;442f88eeeaae4b1ba65e6ac5beaebd1a&quot;,&quot;X&quot;:{&quot;Pos&quot;:2},&quot;Y&quot;:{&quot;Pos&quot;:0}},&quot;whChangeMode&quot;:0}"/>
+  <p:tag name="KSO_WM_CHIP_GROUPID" val="5f5ee1ca4d6848d78f644aed"/>
+  <p:tag name="KSO_WM_CHIP_XID" val="5f69675b553136823a5e61e2"/>
+  <p:tag name="KSO_WM_UNIT_FILL_FORE_SCHEMECOLOR_INDEX_BRIGHTNESS" val="0"/>
+  <p:tag name="KSO_WM_UNIT_FILL_FORE_SCHEMECOLOR_INDEX" val="5"/>
+  <p:tag name="KSO_WM_UNIT_FILL_TYPE" val="1"/>
+  <p:tag name="KSO_WM_UNIT_TEXT_FILL_FORE_SCHEMECOLOR_INDEX_BRIGHTNESS" val="0"/>
+  <p:tag name="KSO_WM_UNIT_TEXT_FILL_FORE_SCHEMECOLOR_INDEX" val="2"/>
+  <p:tag name="KSO_WM_UNIT_TEXT_FILL_TYPE" val="1"/>
+  <p:tag name="KSO_WM_UNIT_VALUE" val="4"/>
+  <p:tag name="KSO_WM_TEMPLATE_ASSEMBLE_XID" val="5fd0b9341fa9d42129dd4cad"/>
+  <p:tag name="KSO_WM_TEMPLATE_ASSEMBLE_GROUPID" val="5fd0b9341fa9d42129dd4cad"/>
+  <p:tag name="KSO_WM_UNIT_SPLIT_INFO" val="{&quot;type&quot;:&quot;i&quot;,&quot;index&quot;:&quot;2&quot;}"/>
+</p:tagLst>
+</file>
+
+<file path=ppt/tags/tag16.xml><?xml version="1.0" encoding="utf-8"?>
+<p:tagLst xmlns:a="http://schemas.openxmlformats.org/drawingml/2006/main" xmlns:r="http://schemas.openxmlformats.org/officeDocument/2006/relationships" xmlns:p="http://schemas.openxmlformats.org/presentationml/2006/main">
+  <p:tag name="KSO_WM_UNIT_HIGHLIGHT" val="0"/>
+  <p:tag name="KSO_WM_UNIT_COMPATIBLE" val="0"/>
+  <p:tag name="KSO_WM_UNIT_DIAGRAM_ISNUMVISUAL" val="0"/>
+  <p:tag name="KSO_WM_UNIT_DIAGRAM_ISREFERUNIT" val="0"/>
+  <p:tag name="KSO_WM_UNIT_ID" val="_3**"/>
+  <p:tag name="KSO_WM_UNIT_LAYERLEVEL" val="1"/>
+  <p:tag name="KSO_WM_TAG_VERSION" val="1.0"/>
+  <p:tag name="KSO_WM_BEAUTIFY_FLAG" val="#wm#"/>
+</p:tagLst>
+</file>
+
+<file path=ppt/tags/tag160.xml><?xml version="1.0" encoding="utf-8"?>
+<p:tagLst xmlns:a="http://schemas.openxmlformats.org/drawingml/2006/main" xmlns:r="http://schemas.openxmlformats.org/officeDocument/2006/relationships" xmlns:p="http://schemas.openxmlformats.org/presentationml/2006/main">
+  <p:tag name="KSO_WM_UNIT_HIGHLIGHT" val="0"/>
+  <p:tag name="KSO_WM_UNIT_COMPATIBLE" val="0"/>
+  <p:tag name="KSO_WM_UNIT_DIAGRAM_ISNUMVISUAL" val="0"/>
+  <p:tag name="KSO_WM_UNIT_DIAGRAM_ISREFERUNIT" val="0"/>
+  <p:tag name="KSO_WM_UNIT_TYPE" val="i"/>
+  <p:tag name="KSO_WM_UNIT_INDEX" val="3"/>
+  <p:tag name="KSO_WM_UNIT_ID" val="custom20218281_15*i*3"/>
+  <p:tag name="KSO_WM_TEMPLATE_CATEGORY" val="custom"/>
+  <p:tag name="KSO_WM_TEMPLATE_INDEX" val="20218281"/>
+  <p:tag name="KSO_WM_UNIT_LAYERLEVEL" val="1"/>
+  <p:tag name="KSO_WM_TAG_VERSION" val="1.0"/>
+  <p:tag name="KSO_WM_BEAUTIFY_FLAG" val="#wm#"/>
+  <p:tag name="KSO_WM_UNIT_BLOCK" val="0"/>
+  <p:tag name="KSO_WM_UNIT_SM_LIMIT_TYPE" val="0"/>
+  <p:tag name="KSO_WM_UNIT_DEC_AREA_ID" val="5bd04cdeaa3e42cb8981243cf2d4986c"/>
+  <p:tag name="KSO_WM_UNIT_DECORATE_INFO" val="{&quot;DecorateInfoH&quot;:{&quot;IsAbs&quot;:true},&quot;DecorateInfoW&quot;:{&quot;IsAbs&quot;:true},&quot;DecorateInfoX&quot;:{&quot;IsAbs&quot;:true,&quot;Pos&quot;:2},&quot;DecorateInfoY&quot;:{&quot;IsAbs&quot;:true,&quot;Pos&quot;:2},&quot;ReferentInfo&quot;:{&quot;Id&quot;:&quot;442f88eeeaae4b1ba65e6ac5beaebd1a&quot;,&quot;X&quot;:{&quot;Pos&quot;:0},&quot;Y&quot;:{&quot;Pos&quot;:2}},&quot;whChangeMode&quot;:0}"/>
+  <p:tag name="KSO_WM_CHIP_GROUPID" val="5f5ee1ca4d6848d78f644aed"/>
+  <p:tag name="KSO_WM_CHIP_XID" val="5f69675b553136823a5e61e2"/>
+  <p:tag name="KSO_WM_UNIT_FILL_FORE_SCHEMECOLOR_INDEX_BRIGHTNESS" val="0"/>
+  <p:tag name="KSO_WM_UNIT_FILL_FORE_SCHEMECOLOR_INDEX" val="5"/>
+  <p:tag name="KSO_WM_UNIT_FILL_TYPE" val="1"/>
+  <p:tag name="KSO_WM_UNIT_TEXT_FILL_FORE_SCHEMECOLOR_INDEX_BRIGHTNESS" val="0"/>
+  <p:tag name="KSO_WM_UNIT_TEXT_FILL_FORE_SCHEMECOLOR_INDEX" val="2"/>
+  <p:tag name="KSO_WM_UNIT_TEXT_FILL_TYPE" val="1"/>
+  <p:tag name="KSO_WM_UNIT_VALUE" val="5"/>
+  <p:tag name="KSO_WM_TEMPLATE_ASSEMBLE_XID" val="5fd0b9341fa9d42129dd4cad"/>
+  <p:tag name="KSO_WM_TEMPLATE_ASSEMBLE_GROUPID" val="5fd0b9341fa9d42129dd4cad"/>
+  <p:tag name="KSO_WM_UNIT_SPLIT_INFO" val="{&quot;type&quot;:&quot;i&quot;,&quot;index&quot;:&quot;3&quot;}"/>
+</p:tagLst>
+</file>
+
+<file path=ppt/tags/tag161.xml><?xml version="1.0" encoding="utf-8"?>
+<p:tagLst xmlns:a="http://schemas.openxmlformats.org/drawingml/2006/main" xmlns:r="http://schemas.openxmlformats.org/officeDocument/2006/relationships" xmlns:p="http://schemas.openxmlformats.org/presentationml/2006/main">
   <p:tag name="KSO_WM_SLIDE_ID" val="custom20218281_20"/>
   <p:tag name="KSO_WM_TEMPLATE_SUBCATEGORY" val="0"/>
   <p:tag name="KSO_WM_TEMPLATE_MASTER_TYPE" val="1"/>
@@ -16867,7 +17681,7 @@
 </p:tagLst>
 </file>
 
-<file path=ppt/tags/tag156.xml><?xml version="1.0" encoding="utf-8"?>
+<file path=ppt/tags/tag162.xml><?xml version="1.0" encoding="utf-8"?>
 <p:tagLst xmlns:a="http://schemas.openxmlformats.org/drawingml/2006/main" xmlns:r="http://schemas.openxmlformats.org/officeDocument/2006/relationships" xmlns:p="http://schemas.openxmlformats.org/presentationml/2006/main">
   <p:tag name="KSO_WM_UNIT_ISCONTENTSTITLE" val="0"/>
   <p:tag name="KSO_WM_UNIT_ISNUMDGMTITLE" val="0"/>
@@ -16890,7 +17704,7 @@
 </p:tagLst>
 </file>
 
-<file path=ppt/tags/tag157.xml><?xml version="1.0" encoding="utf-8"?>
+<file path=ppt/tags/tag163.xml><?xml version="1.0" encoding="utf-8"?>
 <p:tagLst xmlns:a="http://schemas.openxmlformats.org/drawingml/2006/main" xmlns:r="http://schemas.openxmlformats.org/officeDocument/2006/relationships" xmlns:p="http://schemas.openxmlformats.org/presentationml/2006/main">
   <p:tag name="KSO_WM_UNIT_HIGHLIGHT" val="0"/>
   <p:tag name="KSO_WM_UNIT_COMPATIBLE" val="0"/>
@@ -16906,19 +17720,6 @@
   <p:tag name="KSO_WM_BEAUTIFY_FLAG" val="#wm#"/>
   <p:tag name="KSO_WM_UNIT_SPLIT_INFO" val="{&quot;type&quot;:&quot;i&quot;,&quot;index&quot;:&quot;1&quot;}"/>
   <p:tag name="KSO_WM_UNIT_PRESET_TEXT" val="THANKS"/>
-</p:tagLst>
-</file>
-
-<file path=ppt/tags/tag16.xml><?xml version="1.0" encoding="utf-8"?>
-<p:tagLst xmlns:a="http://schemas.openxmlformats.org/drawingml/2006/main" xmlns:r="http://schemas.openxmlformats.org/officeDocument/2006/relationships" xmlns:p="http://schemas.openxmlformats.org/presentationml/2006/main">
-  <p:tag name="KSO_WM_UNIT_HIGHLIGHT" val="0"/>
-  <p:tag name="KSO_WM_UNIT_COMPATIBLE" val="0"/>
-  <p:tag name="KSO_WM_UNIT_DIAGRAM_ISNUMVISUAL" val="0"/>
-  <p:tag name="KSO_WM_UNIT_DIAGRAM_ISREFERUNIT" val="0"/>
-  <p:tag name="KSO_WM_UNIT_ID" val="_3**"/>
-  <p:tag name="KSO_WM_UNIT_LAYERLEVEL" val="1"/>
-  <p:tag name="KSO_WM_TAG_VERSION" val="1.0"/>
-  <p:tag name="KSO_WM_BEAUTIFY_FLAG" val="#wm#"/>
 </p:tagLst>
 </file>
 
